--- a/Fase 2/Actividad Proyecto 3/1501/AA4/EV02/GA3-220201501-AA4-EV02.pptx
+++ b/Fase 2/Actividad Proyecto 3/1501/AA4/EV02/GA3-220201501-AA4-EV02.pptx
@@ -110,7 +110,65 @@
       </a:defRPr>
     </a:lvl9pPr>
   </p:defaultTextStyle>
+  <p:extLst>
+    <p:ext uri="{EFAFB233-063F-42B5-8137-9DF3F51BA10A}">
+      <p15:sldGuideLst xmlns:p15="http://schemas.microsoft.com/office/powerpoint/2012/main"/>
+    </p:ext>
+  </p:extLst>
 </p:presentation>
+</file>
+
+<file path=ppt/revisionInfo.xml><?xml version="1.0" encoding="utf-8"?>
+<p1510:revInfo xmlns:a="http://schemas.openxmlformats.org/drawingml/2006/main" xmlns:r="http://schemas.openxmlformats.org/officeDocument/2006/relationships" xmlns:p1510="http://schemas.microsoft.com/office/powerpoint/2015/10/main">
+  <p1510:revLst>
+    <p1510:client id="{E44F165E-BE32-49DC-9771-7F7F83495AF2}" v="2" dt="2023-02-19T16:25:33.304"/>
+  </p1510:revLst>
+</p1510:revInfo>
+</file>
+
+<file path=ppt/changesInfos/changesInfo1.xml><?xml version="1.0" encoding="utf-8"?>
+<pc:chgInfo xmlns:a="http://schemas.openxmlformats.org/drawingml/2006/main" xmlns:r="http://schemas.openxmlformats.org/officeDocument/2006/relationships" xmlns:ac="http://schemas.microsoft.com/office/drawing/2013/main/command" xmlns:pc="http://schemas.microsoft.com/office/powerpoint/2013/main/command">
+  <pc:docChgLst>
+    <pc:chgData name="Wilmer jair Espinosa silva" userId="4235b24b-0820-471e-89cd-28e87e413800" providerId="ADAL" clId="{E44F165E-BE32-49DC-9771-7F7F83495AF2}"/>
+    <pc:docChg chg="undo custSel modSld">
+      <pc:chgData name="Wilmer jair Espinosa silva" userId="4235b24b-0820-471e-89cd-28e87e413800" providerId="ADAL" clId="{E44F165E-BE32-49DC-9771-7F7F83495AF2}" dt="2023-02-19T16:28:37.336" v="84" actId="1076"/>
+      <pc:docMkLst>
+        <pc:docMk/>
+      </pc:docMkLst>
+      <pc:sldChg chg="addSp modSp mod">
+        <pc:chgData name="Wilmer jair Espinosa silva" userId="4235b24b-0820-471e-89cd-28e87e413800" providerId="ADAL" clId="{E44F165E-BE32-49DC-9771-7F7F83495AF2}" dt="2023-02-19T16:28:37.336" v="84" actId="1076"/>
+        <pc:sldMkLst>
+          <pc:docMk/>
+          <pc:sldMk cId="1220633702" sldId="256"/>
+        </pc:sldMkLst>
+        <pc:spChg chg="add mod">
+          <ac:chgData name="Wilmer jair Espinosa silva" userId="4235b24b-0820-471e-89cd-28e87e413800" providerId="ADAL" clId="{E44F165E-BE32-49DC-9771-7F7F83495AF2}" dt="2023-02-19T16:25:29.683" v="46" actId="1076"/>
+          <ac:spMkLst>
+            <pc:docMk/>
+            <pc:sldMk cId="1220633702" sldId="256"/>
+            <ac:spMk id="2" creationId="{9642743C-7E53-4F36-4141-1AB89E06887B}"/>
+          </ac:spMkLst>
+        </pc:spChg>
+        <pc:spChg chg="add mod">
+          <ac:chgData name="Wilmer jair Espinosa silva" userId="4235b24b-0820-471e-89cd-28e87e413800" providerId="ADAL" clId="{E44F165E-BE32-49DC-9771-7F7F83495AF2}" dt="2023-02-19T16:28:37.336" v="84" actId="1076"/>
+          <ac:spMkLst>
+            <pc:docMk/>
+            <pc:sldMk cId="1220633702" sldId="256"/>
+            <ac:spMk id="3" creationId="{BC6E839A-9910-5389-1B01-E0DA77FF026E}"/>
+          </ac:spMkLst>
+        </pc:spChg>
+        <pc:picChg chg="mod">
+          <ac:chgData name="Wilmer jair Espinosa silva" userId="4235b24b-0820-471e-89cd-28e87e413800" providerId="ADAL" clId="{E44F165E-BE32-49DC-9771-7F7F83495AF2}" dt="2023-02-19T16:25:38.918" v="48" actId="1076"/>
+          <ac:picMkLst>
+            <pc:docMk/>
+            <pc:sldMk cId="1220633702" sldId="256"/>
+            <ac:picMk id="5" creationId="{5B5E6690-1DAA-4970-DD89-1C9D5B0B5E7C}"/>
+          </ac:picMkLst>
+        </pc:picChg>
+      </pc:sldChg>
+    </pc:docChg>
+  </pc:docChgLst>
+</pc:chgInfo>
 </file>
 
 <file path=ppt/slideLayouts/slideLayout1.xml><?xml version="1.0" encoding="utf-8"?>
@@ -262,7 +320,7 @@
           <a:p>
             <a:fld id="{572D628D-F35B-4C19-89E3-819AE2172604}" type="datetimeFigureOut">
               <a:rPr lang="es-CO" smtClean="0"/>
-              <a:t>18/02/2023</a:t>
+              <a:t>19/02/2023</a:t>
             </a:fld>
             <a:endParaRPr lang="es-CO"/>
           </a:p>
@@ -462,7 +520,7 @@
           <a:p>
             <a:fld id="{572D628D-F35B-4C19-89E3-819AE2172604}" type="datetimeFigureOut">
               <a:rPr lang="es-CO" smtClean="0"/>
-              <a:t>18/02/2023</a:t>
+              <a:t>19/02/2023</a:t>
             </a:fld>
             <a:endParaRPr lang="es-CO"/>
           </a:p>
@@ -672,7 +730,7 @@
           <a:p>
             <a:fld id="{572D628D-F35B-4C19-89E3-819AE2172604}" type="datetimeFigureOut">
               <a:rPr lang="es-CO" smtClean="0"/>
-              <a:t>18/02/2023</a:t>
+              <a:t>19/02/2023</a:t>
             </a:fld>
             <a:endParaRPr lang="es-CO"/>
           </a:p>
@@ -872,7 +930,7 @@
           <a:p>
             <a:fld id="{572D628D-F35B-4C19-89E3-819AE2172604}" type="datetimeFigureOut">
               <a:rPr lang="es-CO" smtClean="0"/>
-              <a:t>18/02/2023</a:t>
+              <a:t>19/02/2023</a:t>
             </a:fld>
             <a:endParaRPr lang="es-CO"/>
           </a:p>
@@ -1148,7 +1206,7 @@
           <a:p>
             <a:fld id="{572D628D-F35B-4C19-89E3-819AE2172604}" type="datetimeFigureOut">
               <a:rPr lang="es-CO" smtClean="0"/>
-              <a:t>18/02/2023</a:t>
+              <a:t>19/02/2023</a:t>
             </a:fld>
             <a:endParaRPr lang="es-CO"/>
           </a:p>
@@ -1416,7 +1474,7 @@
           <a:p>
             <a:fld id="{572D628D-F35B-4C19-89E3-819AE2172604}" type="datetimeFigureOut">
               <a:rPr lang="es-CO" smtClean="0"/>
-              <a:t>18/02/2023</a:t>
+              <a:t>19/02/2023</a:t>
             </a:fld>
             <a:endParaRPr lang="es-CO"/>
           </a:p>
@@ -1831,7 +1889,7 @@
           <a:p>
             <a:fld id="{572D628D-F35B-4C19-89E3-819AE2172604}" type="datetimeFigureOut">
               <a:rPr lang="es-CO" smtClean="0"/>
-              <a:t>18/02/2023</a:t>
+              <a:t>19/02/2023</a:t>
             </a:fld>
             <a:endParaRPr lang="es-CO"/>
           </a:p>
@@ -1973,7 +2031,7 @@
           <a:p>
             <a:fld id="{572D628D-F35B-4C19-89E3-819AE2172604}" type="datetimeFigureOut">
               <a:rPr lang="es-CO" smtClean="0"/>
-              <a:t>18/02/2023</a:t>
+              <a:t>19/02/2023</a:t>
             </a:fld>
             <a:endParaRPr lang="es-CO"/>
           </a:p>
@@ -2086,7 +2144,7 @@
           <a:p>
             <a:fld id="{572D628D-F35B-4C19-89E3-819AE2172604}" type="datetimeFigureOut">
               <a:rPr lang="es-CO" smtClean="0"/>
-              <a:t>18/02/2023</a:t>
+              <a:t>19/02/2023</a:t>
             </a:fld>
             <a:endParaRPr lang="es-CO"/>
           </a:p>
@@ -2399,7 +2457,7 @@
           <a:p>
             <a:fld id="{572D628D-F35B-4C19-89E3-819AE2172604}" type="datetimeFigureOut">
               <a:rPr lang="es-CO" smtClean="0"/>
-              <a:t>18/02/2023</a:t>
+              <a:t>19/02/2023</a:t>
             </a:fld>
             <a:endParaRPr lang="es-CO"/>
           </a:p>
@@ -2688,7 +2746,7 @@
           <a:p>
             <a:fld id="{572D628D-F35B-4C19-89E3-819AE2172604}" type="datetimeFigureOut">
               <a:rPr lang="es-CO" smtClean="0"/>
-              <a:t>18/02/2023</a:t>
+              <a:t>19/02/2023</a:t>
             </a:fld>
             <a:endParaRPr lang="es-CO"/>
           </a:p>
@@ -2931,7 +2989,7 @@
           <a:p>
             <a:fld id="{572D628D-F35B-4C19-89E3-819AE2172604}" type="datetimeFigureOut">
               <a:rPr lang="es-CO" smtClean="0"/>
-              <a:t>18/02/2023</a:t>
+              <a:t>19/02/2023</a:t>
             </a:fld>
             <a:endParaRPr lang="es-CO"/>
           </a:p>
@@ -3370,7 +3428,7 @@
         </p:blipFill>
         <p:spPr>
           <a:xfrm>
-            <a:off x="20207" y="0"/>
+            <a:off x="-34806" y="0"/>
             <a:ext cx="12167385" cy="6858000"/>
           </a:xfrm>
           <a:prstGeom prst="rect">
@@ -3378,6 +3436,129 @@
           </a:prstGeom>
         </p:spPr>
       </p:pic>
+      <p:sp>
+        <p:nvSpPr>
+          <p:cNvPr id="2" name="CuadroTexto 1">
+            <a:extLst>
+              <a:ext uri="{FF2B5EF4-FFF2-40B4-BE49-F238E27FC236}">
+                <a16:creationId xmlns:a16="http://schemas.microsoft.com/office/drawing/2014/main" id="{9642743C-7E53-4F36-4141-1AB89E06887B}"/>
+              </a:ext>
+            </a:extLst>
+          </p:cNvPr>
+          <p:cNvSpPr txBox="1"/>
+          <p:nvPr/>
+        </p:nvSpPr>
+        <p:spPr>
+          <a:xfrm>
+            <a:off x="998499" y="1163781"/>
+            <a:ext cx="10210800" cy="1015663"/>
+          </a:xfrm>
+          <a:prstGeom prst="rect">
+            <a:avLst/>
+          </a:prstGeom>
+          <a:noFill/>
+        </p:spPr>
+        <p:txBody>
+          <a:bodyPr wrap="square" rtlCol="0">
+            <a:spAutoFit/>
+          </a:bodyPr>
+          <a:lstStyle/>
+          <a:p>
+            <a:r>
+              <a:rPr lang="es-MX" sz="6000" dirty="0">
+                <a:solidFill>
+                  <a:schemeClr val="bg1"/>
+                </a:solidFill>
+              </a:rPr>
+              <a:t>WILMER JAIR ESPINOSA SILVA</a:t>
+            </a:r>
+            <a:endParaRPr lang="es-CO" sz="6000" dirty="0">
+              <a:solidFill>
+                <a:schemeClr val="bg1"/>
+              </a:solidFill>
+            </a:endParaRPr>
+          </a:p>
+        </p:txBody>
+      </p:sp>
+      <p:sp>
+        <p:nvSpPr>
+          <p:cNvPr id="3" name="CuadroTexto 2">
+            <a:extLst>
+              <a:ext uri="{FF2B5EF4-FFF2-40B4-BE49-F238E27FC236}">
+                <a16:creationId xmlns:a16="http://schemas.microsoft.com/office/drawing/2014/main" id="{BC6E839A-9910-5389-1B01-E0DA77FF026E}"/>
+              </a:ext>
+            </a:extLst>
+          </p:cNvPr>
+          <p:cNvSpPr txBox="1"/>
+          <p:nvPr/>
+        </p:nvSpPr>
+        <p:spPr>
+          <a:xfrm>
+            <a:off x="998499" y="4295416"/>
+            <a:ext cx="10210800" cy="2308324"/>
+          </a:xfrm>
+          <a:prstGeom prst="rect">
+            <a:avLst/>
+          </a:prstGeom>
+          <a:noFill/>
+        </p:spPr>
+        <p:txBody>
+          <a:bodyPr wrap="square" rtlCol="0">
+            <a:spAutoFit/>
+          </a:bodyPr>
+          <a:lstStyle/>
+          <a:p>
+            <a:pPr algn="ctr"/>
+            <a:r>
+              <a:rPr lang="es-MX" sz="4800" b="1" i="0" u="none" strike="noStrike" baseline="0" dirty="0">
+                <a:solidFill>
+                  <a:schemeClr val="bg1"/>
+                </a:solidFill>
+                <a:latin typeface="Arial" panose="020B0604020202020204" pitchFamily="34" charset="0"/>
+              </a:rPr>
+              <a:t>EVIDENCIA:</a:t>
+            </a:r>
+            <a:br>
+              <a:rPr lang="es-MX" sz="4800" b="1" i="0" u="none" strike="noStrike" baseline="0" dirty="0">
+                <a:solidFill>
+                  <a:schemeClr val="bg1"/>
+                </a:solidFill>
+                <a:latin typeface="Arial" panose="020B0604020202020204" pitchFamily="34" charset="0"/>
+              </a:rPr>
+            </a:br>
+            <a:r>
+              <a:rPr lang="es-CO" sz="4800" b="1" i="0" u="none" strike="noStrike" baseline="0" dirty="0">
+                <a:solidFill>
+                  <a:schemeClr val="bg1"/>
+                </a:solidFill>
+                <a:latin typeface="Arial" panose="020B0604020202020204" pitchFamily="34" charset="0"/>
+              </a:rPr>
+              <a:t>GA3-220201501-AA4-EV02 </a:t>
+            </a:r>
+            <a:endParaRPr lang="es-MX" sz="4800" b="0" i="0" u="none" strike="noStrike" baseline="0" dirty="0">
+              <a:solidFill>
+                <a:schemeClr val="bg1"/>
+              </a:solidFill>
+              <a:latin typeface="Arial" panose="020B0604020202020204" pitchFamily="34" charset="0"/>
+            </a:endParaRPr>
+          </a:p>
+          <a:p>
+            <a:r>
+              <a:rPr lang="es-MX" sz="4800" dirty="0">
+                <a:solidFill>
+                  <a:schemeClr val="bg1"/>
+                </a:solidFill>
+              </a:rPr>
+              <a:t> </a:t>
+            </a:r>
+            <a:endParaRPr lang="es-CO" sz="4800" dirty="0">
+              <a:solidFill>
+                <a:schemeClr val="bg1"/>
+              </a:solidFill>
+            </a:endParaRPr>
+          </a:p>
+        </p:txBody>
+      </p:sp>
     </p:spTree>
     <p:extLst>
       <p:ext uri="{BB962C8B-B14F-4D97-AF65-F5344CB8AC3E}">
